--- a/Report and Presentation/US Retail Sales and Public Holidays Analysis.pptx
+++ b/Report and Presentation/US Retail Sales and Public Holidays Analysis.pptx
@@ -271,7 +271,7 @@
           <a:p>
             <a:fld id="{9F375375-8428-4209-994E-A336BB773D6B}" type="datetimeFigureOut">
               <a:rPr lang="en-US" smtClean="0"/>
-              <a:t>2/10/2026</a:t>
+              <a:t>2/21/2026</a:t>
             </a:fld>
             <a:endParaRPr lang="en-US"/>
           </a:p>
@@ -469,7 +469,7 @@
           <a:p>
             <a:fld id="{9F375375-8428-4209-994E-A336BB773D6B}" type="datetimeFigureOut">
               <a:rPr lang="en-US" smtClean="0"/>
-              <a:t>2/10/2026</a:t>
+              <a:t>2/21/2026</a:t>
             </a:fld>
             <a:endParaRPr lang="en-US"/>
           </a:p>
@@ -677,7 +677,7 @@
           <a:p>
             <a:fld id="{9F375375-8428-4209-994E-A336BB773D6B}" type="datetimeFigureOut">
               <a:rPr lang="en-US" smtClean="0"/>
-              <a:t>2/10/2026</a:t>
+              <a:t>2/21/2026</a:t>
             </a:fld>
             <a:endParaRPr lang="en-US"/>
           </a:p>
@@ -875,7 +875,7 @@
           <a:p>
             <a:fld id="{9F375375-8428-4209-994E-A336BB773D6B}" type="datetimeFigureOut">
               <a:rPr lang="en-US" smtClean="0"/>
-              <a:t>2/10/2026</a:t>
+              <a:t>2/21/2026</a:t>
             </a:fld>
             <a:endParaRPr lang="en-US"/>
           </a:p>
@@ -1150,7 +1150,7 @@
           <a:p>
             <a:fld id="{9F375375-8428-4209-994E-A336BB773D6B}" type="datetimeFigureOut">
               <a:rPr lang="en-US" smtClean="0"/>
-              <a:t>2/10/2026</a:t>
+              <a:t>2/21/2026</a:t>
             </a:fld>
             <a:endParaRPr lang="en-US"/>
           </a:p>
@@ -1415,7 +1415,7 @@
           <a:p>
             <a:fld id="{9F375375-8428-4209-994E-A336BB773D6B}" type="datetimeFigureOut">
               <a:rPr lang="en-US" smtClean="0"/>
-              <a:t>2/10/2026</a:t>
+              <a:t>2/21/2026</a:t>
             </a:fld>
             <a:endParaRPr lang="en-US"/>
           </a:p>
@@ -1827,7 +1827,7 @@
           <a:p>
             <a:fld id="{9F375375-8428-4209-994E-A336BB773D6B}" type="datetimeFigureOut">
               <a:rPr lang="en-US" smtClean="0"/>
-              <a:t>2/10/2026</a:t>
+              <a:t>2/21/2026</a:t>
             </a:fld>
             <a:endParaRPr lang="en-US"/>
           </a:p>
@@ -1968,7 +1968,7 @@
           <a:p>
             <a:fld id="{9F375375-8428-4209-994E-A336BB773D6B}" type="datetimeFigureOut">
               <a:rPr lang="en-US" smtClean="0"/>
-              <a:t>2/10/2026</a:t>
+              <a:t>2/21/2026</a:t>
             </a:fld>
             <a:endParaRPr lang="en-US"/>
           </a:p>
@@ -2081,7 +2081,7 @@
           <a:p>
             <a:fld id="{9F375375-8428-4209-994E-A336BB773D6B}" type="datetimeFigureOut">
               <a:rPr lang="en-US" smtClean="0"/>
-              <a:t>2/10/2026</a:t>
+              <a:t>2/21/2026</a:t>
             </a:fld>
             <a:endParaRPr lang="en-US"/>
           </a:p>
@@ -2392,7 +2392,7 @@
           <a:p>
             <a:fld id="{9F375375-8428-4209-994E-A336BB773D6B}" type="datetimeFigureOut">
               <a:rPr lang="en-US" smtClean="0"/>
-              <a:t>2/10/2026</a:t>
+              <a:t>2/21/2026</a:t>
             </a:fld>
             <a:endParaRPr lang="en-US"/>
           </a:p>
@@ -2680,7 +2680,7 @@
           <a:p>
             <a:fld id="{9F375375-8428-4209-994E-A336BB773D6B}" type="datetimeFigureOut">
               <a:rPr lang="en-US" smtClean="0"/>
-              <a:t>2/10/2026</a:t>
+              <a:t>2/21/2026</a:t>
             </a:fld>
             <a:endParaRPr lang="en-US"/>
           </a:p>
@@ -2927,7 +2927,7 @@
           <a:p>
             <a:fld id="{9F375375-8428-4209-994E-A336BB773D6B}" type="datetimeFigureOut">
               <a:rPr lang="en-US" smtClean="0"/>
-              <a:t>2/10/2026</a:t>
+              <a:t>2/21/2026</a:t>
             </a:fld>
             <a:endParaRPr lang="en-US"/>
           </a:p>
@@ -3472,7 +3472,7 @@
         <p:spPr>
           <a:xfrm>
             <a:off x="7950152" y="5776218"/>
-            <a:ext cx="3328946" cy="923330"/>
+            <a:ext cx="3328946" cy="369332"/>
           </a:xfrm>
           <a:prstGeom prst="rect">
             <a:avLst/>
@@ -3493,19 +3493,7 @@
                 <a:latin typeface="Cambria" panose="02040503050406030204" pitchFamily="18" charset="0"/>
                 <a:ea typeface="Cambria" panose="02040503050406030204" pitchFamily="18" charset="0"/>
               </a:rPr>
-              <a:t>Team Members</a:t>
-            </a:r>
-          </a:p>
-          <a:p>
-            <a:r>
-              <a:rPr lang="en-US" b="1" dirty="0">
-                <a:solidFill>
-                  <a:schemeClr val="tx2"/>
-                </a:solidFill>
-                <a:latin typeface="Cambria" panose="02040503050406030204" pitchFamily="18" charset="0"/>
-                <a:ea typeface="Cambria" panose="02040503050406030204" pitchFamily="18" charset="0"/>
-              </a:rPr>
-              <a:t> Abdul Sami   - Mat: 939542 Davina David - Mat: 946851</a:t>
+              <a:t>Abdul Sami</a:t>
             </a:r>
           </a:p>
         </p:txBody>
